--- a/Artificial Life.pptx
+++ b/Artificial Life.pptx
@@ -516,6 +516,47 @@
           <a:lstStyle/>
           <a:p>
             <a:r>
+              <a:rPr lang="pt-PT" b="1" dirty="0" smtClean="0"/>
+              <a:t>Vida artificial</a:t>
+            </a:r>
+            <a:r>
+              <a:rPr lang="pt-PT" dirty="0" smtClean="0"/>
+              <a:t> é o nome dado à </a:t>
+            </a:r>
+            <a:r>
+              <a:rPr lang="pt-PT" dirty="0" smtClean="0">
+                <a:hlinkClick r:id="rId3" tooltip="Disciplina"/>
+              </a:rPr>
+              <a:t>disciplina</a:t>
+            </a:r>
+            <a:r>
+              <a:rPr lang="pt-PT" dirty="0" smtClean="0"/>
+              <a:t> que estuda a </a:t>
+            </a:r>
+            <a:r>
+              <a:rPr lang="pt-PT" dirty="0" smtClean="0">
+                <a:hlinkClick r:id="rId4" tooltip="Vida"/>
+              </a:rPr>
+              <a:t>vida</a:t>
+            </a:r>
+            <a:r>
+              <a:rPr lang="pt-PT" dirty="0" smtClean="0"/>
+              <a:t> natural através da tentativa de recriar fenômenos biológicos em </a:t>
+            </a:r>
+            <a:r>
+              <a:rPr lang="pt-PT" dirty="0" smtClean="0">
+                <a:hlinkClick r:id="rId5" tooltip="Computador"/>
+              </a:rPr>
+              <a:t>computadores</a:t>
+            </a:r>
+            <a:r>
+              <a:rPr lang="pt-PT" dirty="0" smtClean="0"/>
+              <a:t> ou outros meios “artificiais”</a:t>
+            </a:r>
+            <a:endParaRPr lang="pt-PT" dirty="0" smtClean="0"/>
+          </a:p>
+          <a:p>
+            <a:r>
               <a:rPr lang="pt-PT" dirty="0" err="1" smtClean="0"/>
               <a:t>From</a:t>
             </a:r>
@@ -555,6 +596,73 @@
           </a:p>
           <a:p>
             <a:r>
+              <a:rPr lang="pt-PT" baseline="0" dirty="0" err="1" smtClean="0"/>
+              <a:t>Impossivel</a:t>
+            </a:r>
+            <a:r>
+              <a:rPr lang="pt-PT" baseline="0" dirty="0" smtClean="0"/>
+              <a:t> existir vida fora de soluções </a:t>
+            </a:r>
+            <a:r>
+              <a:rPr lang="pt-PT" baseline="0" dirty="0" err="1" smtClean="0"/>
+              <a:t>quimicas</a:t>
+            </a:r>
+            <a:r>
+              <a:rPr lang="pt-PT" baseline="0" dirty="0" smtClean="0"/>
+              <a:t> </a:t>
+            </a:r>
+            <a:r>
+              <a:rPr lang="pt-PT" baseline="0" dirty="0" err="1" smtClean="0"/>
+              <a:t>weak</a:t>
+            </a:r>
+            <a:r>
+              <a:rPr lang="pt-PT" baseline="0" dirty="0" smtClean="0"/>
+              <a:t> </a:t>
+            </a:r>
+            <a:r>
+              <a:rPr lang="pt-PT" baseline="0" dirty="0" err="1" smtClean="0"/>
+              <a:t>alife</a:t>
+            </a:r>
+            <a:endParaRPr lang="pt-PT" baseline="0" dirty="0" smtClean="0"/>
+          </a:p>
+          <a:p>
+            <a:r>
+              <a:rPr lang="en-US" sz="1200" b="0" kern="1200" dirty="0" smtClean="0">
+                <a:solidFill>
+                  <a:schemeClr val="tx1"/>
+                </a:solidFill>
+                <a:latin typeface="+mn-lt"/>
+                <a:ea typeface="+mn-ea"/>
+                <a:cs typeface="+mn-cs"/>
+              </a:rPr>
+              <a:t>"life is a process which can be abstracted away from any particular medium“ – strong</a:t>
+            </a:r>
+            <a:r>
+              <a:rPr lang="en-US" sz="1200" b="0" kern="1200" baseline="0" dirty="0" smtClean="0">
+                <a:solidFill>
+                  <a:schemeClr val="tx1"/>
+                </a:solidFill>
+                <a:latin typeface="+mn-lt"/>
+                <a:ea typeface="+mn-ea"/>
+                <a:cs typeface="+mn-cs"/>
+              </a:rPr>
+              <a:t> </a:t>
+            </a:r>
+            <a:r>
+              <a:rPr lang="en-US" sz="1200" b="0" kern="1200" baseline="0" dirty="0" err="1" smtClean="0">
+                <a:solidFill>
+                  <a:schemeClr val="tx1"/>
+                </a:solidFill>
+                <a:latin typeface="+mn-lt"/>
+                <a:ea typeface="+mn-ea"/>
+                <a:cs typeface="+mn-cs"/>
+              </a:rPr>
+              <a:t>alife</a:t>
+            </a:r>
+            <a:endParaRPr lang="pt-PT" baseline="0" dirty="0" smtClean="0"/>
+          </a:p>
+          <a:p>
+            <a:r>
               <a:rPr lang="pt-PT" dirty="0" err="1" smtClean="0"/>
               <a:t>Stuxnet</a:t>
             </a:r>
@@ -564,15 +672,18 @@
             </a:r>
             <a:r>
               <a:rPr lang="pt-PT" dirty="0" smtClean="0">
-                <a:hlinkClick r:id="rId3" tooltip="Enriquecimento de urânio"/>
+                <a:hlinkClick r:id="rId6" tooltip="Enriquecimento de urânio"/>
               </a:rPr>
               <a:t>enriquecimento de urânio</a:t>
             </a:r>
             <a:r>
               <a:rPr lang="pt-PT" dirty="0" smtClean="0"/>
-              <a:t> iranianas possivelmente criado pelos USA</a:t>
-            </a:r>
-            <a:endParaRPr lang="pt-PT" dirty="0"/>
+              <a:t> iranianas possivelmente criado pelos </a:t>
+            </a:r>
+            <a:r>
+              <a:rPr lang="pt-PT" dirty="0" smtClean="0"/>
+              <a:t>USA</a:t>
+            </a:r>
           </a:p>
         </p:txBody>
       </p:sp>
@@ -595,6 +706,304 @@
               <a:rPr lang="pt-PT" smtClean="0"/>
               <a:pPr/>
               <a:t>2</a:t>
+            </a:fld>
+            <a:endParaRPr lang="pt-PT"/>
+          </a:p>
+        </p:txBody>
+      </p:sp>
+    </p:spTree>
+  </p:cSld>
+  <p:clrMapOvr>
+    <a:masterClrMapping/>
+  </p:clrMapOvr>
+</p:notes>
+</file>
+
+<file path=ppt/notesSlides/notesSlide2.xml><?xml version="1.0" encoding="utf-8"?>
+<p:notes xmlns:a="http://schemas.openxmlformats.org/drawingml/2006/main" xmlns:r="http://schemas.openxmlformats.org/officeDocument/2006/relationships" xmlns:p="http://schemas.openxmlformats.org/presentationml/2006/main">
+  <p:cSld>
+    <p:spTree>
+      <p:nvGrpSpPr>
+        <p:cNvPr id="1" name=""/>
+        <p:cNvGrpSpPr/>
+        <p:nvPr/>
+      </p:nvGrpSpPr>
+      <p:grpSpPr>
+        <a:xfrm>
+          <a:off x="0" y="0"/>
+          <a:ext cx="0" cy="0"/>
+          <a:chOff x="0" y="0"/>
+          <a:chExt cx="0" cy="0"/>
+        </a:xfrm>
+      </p:grpSpPr>
+      <p:sp>
+        <p:nvSpPr>
+          <p:cNvPr id="2" name="Marcador de Posição da Imagem do Diapositivo 1"/>
+          <p:cNvSpPr>
+            <a:spLocks noGrp="1" noRot="1" noChangeAspect="1"/>
+          </p:cNvSpPr>
+          <p:nvPr>
+            <p:ph type="sldImg"/>
+          </p:nvPr>
+        </p:nvSpPr>
+        <p:spPr/>
+      </p:sp>
+      <p:sp>
+        <p:nvSpPr>
+          <p:cNvPr id="3" name="Marcador de Posição de Notas 2"/>
+          <p:cNvSpPr>
+            <a:spLocks noGrp="1"/>
+          </p:cNvSpPr>
+          <p:nvPr>
+            <p:ph type="body" idx="1"/>
+          </p:nvPr>
+        </p:nvSpPr>
+        <p:spPr/>
+        <p:txBody>
+          <a:bodyPr>
+            <a:normAutofit/>
+          </a:bodyPr>
+          <a:lstStyle/>
+          <a:p>
+            <a:r>
+              <a:rPr lang="pt-PT" dirty="0" err="1" smtClean="0"/>
+              <a:t>Refer</a:t>
+            </a:r>
+            <a:r>
+              <a:rPr lang="pt-PT" baseline="0" dirty="0" smtClean="0"/>
+              <a:t> “</a:t>
+            </a:r>
+            <a:r>
+              <a:rPr lang="pt-PT" baseline="0" dirty="0" err="1" smtClean="0"/>
+              <a:t>moisture</a:t>
+            </a:r>
+            <a:r>
+              <a:rPr lang="pt-PT" baseline="0" dirty="0" smtClean="0"/>
+              <a:t>” </a:t>
+            </a:r>
+            <a:r>
+              <a:rPr lang="pt-PT" baseline="0" dirty="0" err="1" smtClean="0"/>
+              <a:t>here</a:t>
+            </a:r>
+            <a:r>
+              <a:rPr lang="pt-PT" baseline="0" dirty="0" smtClean="0"/>
+              <a:t>!! </a:t>
+            </a:r>
+            <a:r>
+              <a:rPr lang="pt-PT" baseline="0" dirty="0" err="1" smtClean="0"/>
+              <a:t>Explain</a:t>
+            </a:r>
+            <a:r>
+              <a:rPr lang="pt-PT" baseline="0" dirty="0" smtClean="0"/>
+              <a:t>!</a:t>
+            </a:r>
+            <a:endParaRPr lang="pt-PT" dirty="0"/>
+          </a:p>
+        </p:txBody>
+      </p:sp>
+      <p:sp>
+        <p:nvSpPr>
+          <p:cNvPr id="4" name="Marcador de Posição do Número do Diapositivo 3"/>
+          <p:cNvSpPr>
+            <a:spLocks noGrp="1"/>
+          </p:cNvSpPr>
+          <p:nvPr>
+            <p:ph type="sldNum" sz="quarter" idx="10"/>
+          </p:nvPr>
+        </p:nvSpPr>
+        <p:spPr/>
+        <p:txBody>
+          <a:bodyPr/>
+          <a:lstStyle/>
+          <a:p>
+            <a:fld id="{0BF9BC2F-685A-440E-A0DA-B41092E4957A}" type="slidenum">
+              <a:rPr lang="pt-PT" smtClean="0"/>
+              <a:pPr/>
+              <a:t>7</a:t>
+            </a:fld>
+            <a:endParaRPr lang="pt-PT"/>
+          </a:p>
+        </p:txBody>
+      </p:sp>
+    </p:spTree>
+  </p:cSld>
+  <p:clrMapOvr>
+    <a:masterClrMapping/>
+  </p:clrMapOvr>
+</p:notes>
+</file>
+
+<file path=ppt/notesSlides/notesSlide3.xml><?xml version="1.0" encoding="utf-8"?>
+<p:notes xmlns:a="http://schemas.openxmlformats.org/drawingml/2006/main" xmlns:r="http://schemas.openxmlformats.org/officeDocument/2006/relationships" xmlns:p="http://schemas.openxmlformats.org/presentationml/2006/main">
+  <p:cSld>
+    <p:spTree>
+      <p:nvGrpSpPr>
+        <p:cNvPr id="1" name=""/>
+        <p:cNvGrpSpPr/>
+        <p:nvPr/>
+      </p:nvGrpSpPr>
+      <p:grpSpPr>
+        <a:xfrm>
+          <a:off x="0" y="0"/>
+          <a:ext cx="0" cy="0"/>
+          <a:chOff x="0" y="0"/>
+          <a:chExt cx="0" cy="0"/>
+        </a:xfrm>
+      </p:grpSpPr>
+      <p:sp>
+        <p:nvSpPr>
+          <p:cNvPr id="2" name="Marcador de Posição da Imagem do Diapositivo 1"/>
+          <p:cNvSpPr>
+            <a:spLocks noGrp="1" noRot="1" noChangeAspect="1"/>
+          </p:cNvSpPr>
+          <p:nvPr>
+            <p:ph type="sldImg"/>
+          </p:nvPr>
+        </p:nvSpPr>
+        <p:spPr/>
+      </p:sp>
+      <p:sp>
+        <p:nvSpPr>
+          <p:cNvPr id="3" name="Marcador de Posição de Notas 2"/>
+          <p:cNvSpPr>
+            <a:spLocks noGrp="1"/>
+          </p:cNvSpPr>
+          <p:nvPr>
+            <p:ph type="body" idx="1"/>
+          </p:nvPr>
+        </p:nvSpPr>
+        <p:spPr/>
+        <p:txBody>
+          <a:bodyPr>
+            <a:normAutofit/>
+          </a:bodyPr>
+          <a:lstStyle/>
+          <a:p>
+            <a:r>
+              <a:rPr lang="pt-PT" dirty="0" smtClean="0"/>
+              <a:t>Falar das </a:t>
+            </a:r>
+            <a:r>
+              <a:rPr lang="pt-PT" dirty="0" err="1" smtClean="0"/>
+              <a:t>estatisticas</a:t>
+            </a:r>
+            <a:endParaRPr lang="pt-PT" dirty="0"/>
+          </a:p>
+        </p:txBody>
+      </p:sp>
+      <p:sp>
+        <p:nvSpPr>
+          <p:cNvPr id="4" name="Marcador de Posição do Número do Diapositivo 3"/>
+          <p:cNvSpPr>
+            <a:spLocks noGrp="1"/>
+          </p:cNvSpPr>
+          <p:nvPr>
+            <p:ph type="sldNum" sz="quarter" idx="10"/>
+          </p:nvPr>
+        </p:nvSpPr>
+        <p:spPr/>
+        <p:txBody>
+          <a:bodyPr/>
+          <a:lstStyle/>
+          <a:p>
+            <a:fld id="{0BF9BC2F-685A-440E-A0DA-B41092E4957A}" type="slidenum">
+              <a:rPr lang="pt-PT" smtClean="0"/>
+              <a:pPr/>
+              <a:t>10</a:t>
+            </a:fld>
+            <a:endParaRPr lang="pt-PT"/>
+          </a:p>
+        </p:txBody>
+      </p:sp>
+    </p:spTree>
+  </p:cSld>
+  <p:clrMapOvr>
+    <a:masterClrMapping/>
+  </p:clrMapOvr>
+</p:notes>
+</file>
+
+<file path=ppt/notesSlides/notesSlide4.xml><?xml version="1.0" encoding="utf-8"?>
+<p:notes xmlns:a="http://schemas.openxmlformats.org/drawingml/2006/main" xmlns:r="http://schemas.openxmlformats.org/officeDocument/2006/relationships" xmlns:p="http://schemas.openxmlformats.org/presentationml/2006/main">
+  <p:cSld>
+    <p:spTree>
+      <p:nvGrpSpPr>
+        <p:cNvPr id="1" name=""/>
+        <p:cNvGrpSpPr/>
+        <p:nvPr/>
+      </p:nvGrpSpPr>
+      <p:grpSpPr>
+        <a:xfrm>
+          <a:off x="0" y="0"/>
+          <a:ext cx="0" cy="0"/>
+          <a:chOff x="0" y="0"/>
+          <a:chExt cx="0" cy="0"/>
+        </a:xfrm>
+      </p:grpSpPr>
+      <p:sp>
+        <p:nvSpPr>
+          <p:cNvPr id="2" name="Marcador de Posição da Imagem do Diapositivo 1"/>
+          <p:cNvSpPr>
+            <a:spLocks noGrp="1" noRot="1" noChangeAspect="1"/>
+          </p:cNvSpPr>
+          <p:nvPr>
+            <p:ph type="sldImg"/>
+          </p:nvPr>
+        </p:nvSpPr>
+        <p:spPr/>
+      </p:sp>
+      <p:sp>
+        <p:nvSpPr>
+          <p:cNvPr id="3" name="Marcador de Posição de Notas 2"/>
+          <p:cNvSpPr>
+            <a:spLocks noGrp="1"/>
+          </p:cNvSpPr>
+          <p:nvPr>
+            <p:ph type="body" idx="1"/>
+          </p:nvPr>
+        </p:nvSpPr>
+        <p:spPr/>
+        <p:txBody>
+          <a:bodyPr>
+            <a:normAutofit/>
+          </a:bodyPr>
+          <a:lstStyle/>
+          <a:p>
+            <a:r>
+              <a:rPr lang="pt-PT" dirty="0" smtClean="0"/>
+              <a:t>Planos </a:t>
+            </a:r>
+            <a:r>
+              <a:rPr lang="pt-PT" dirty="0" err="1" smtClean="0"/>
+              <a:t>futurus</a:t>
+            </a:r>
+            <a:r>
+              <a:rPr lang="pt-PT" dirty="0" smtClean="0"/>
+              <a:t>…</a:t>
+            </a:r>
+            <a:endParaRPr lang="pt-PT" dirty="0"/>
+          </a:p>
+        </p:txBody>
+      </p:sp>
+      <p:sp>
+        <p:nvSpPr>
+          <p:cNvPr id="4" name="Marcador de Posição do Número do Diapositivo 3"/>
+          <p:cNvSpPr>
+            <a:spLocks noGrp="1"/>
+          </p:cNvSpPr>
+          <p:nvPr>
+            <p:ph type="sldNum" sz="quarter" idx="10"/>
+          </p:nvPr>
+        </p:nvSpPr>
+        <p:spPr/>
+        <p:txBody>
+          <a:bodyPr/>
+          <a:lstStyle/>
+          <a:p>
+            <a:fld id="{0BF9BC2F-685A-440E-A0DA-B41092E4957A}" type="slidenum">
+              <a:rPr lang="pt-PT" smtClean="0"/>
+              <a:pPr/>
+              <a:t>11</a:t>
             </a:fld>
             <a:endParaRPr lang="pt-PT"/>
           </a:p>
@@ -4257,6 +4666,35 @@
           </a:p>
           <a:p>
             <a:endParaRPr lang="pt-PT" dirty="0"/>
+          </a:p>
+        </p:txBody>
+      </p:sp>
+      <p:sp>
+        <p:nvSpPr>
+          <p:cNvPr id="4" name="CaixaDeTexto 3"/>
+          <p:cNvSpPr txBox="1"/>
+          <p:nvPr/>
+        </p:nvSpPr>
+        <p:spPr>
+          <a:xfrm>
+            <a:off x="0" y="6165304"/>
+            <a:ext cx="2195736" cy="369332"/>
+          </a:xfrm>
+          <a:prstGeom prst="rect">
+            <a:avLst/>
+          </a:prstGeom>
+          <a:noFill/>
+        </p:spPr>
+        <p:txBody>
+          <a:bodyPr wrap="square" rtlCol="0">
+            <a:spAutoFit/>
+          </a:bodyPr>
+          <a:lstStyle/>
+          <a:p>
+            <a:r>
+              <a:rPr lang="pt-PT" dirty="0" smtClean="0"/>
+              <a:t>Rui Silva	PG25228</a:t>
+            </a:r>
           </a:p>
         </p:txBody>
       </p:sp>

--- a/Artificial Life.pptx
+++ b/Artificial Life.pptx
@@ -553,7 +553,6 @@
               <a:rPr lang="pt-PT" dirty="0" smtClean="0"/>
               <a:t> ou outros meios “artificiais”</a:t>
             </a:r>
-            <a:endParaRPr lang="pt-PT" dirty="0" smtClean="0"/>
           </a:p>
           <a:p>
             <a:r>
@@ -678,11 +677,7 @@
             </a:r>
             <a:r>
               <a:rPr lang="pt-PT" dirty="0" smtClean="0"/>
-              <a:t> iranianas possivelmente criado pelos </a:t>
-            </a:r>
-            <a:r>
-              <a:rPr lang="pt-PT" dirty="0" smtClean="0"/>
-              <a:t>USA</a:t>
+              <a:t> iranianas possivelmente criado pelos USA</a:t>
             </a:r>
           </a:p>
         </p:txBody>
@@ -970,12 +965,12 @@
           <a:lstStyle/>
           <a:p>
             <a:r>
-              <a:rPr lang="pt-PT" dirty="0" smtClean="0"/>
+              <a:rPr lang="pt-PT" smtClean="0"/>
               <a:t>Planos </a:t>
             </a:r>
             <a:r>
-              <a:rPr lang="pt-PT" dirty="0" err="1" smtClean="0"/>
-              <a:t>futurus</a:t>
+              <a:rPr lang="pt-PT" smtClean="0"/>
+              <a:t>futuros</a:t>
             </a:r>
             <a:r>
               <a:rPr lang="pt-PT" dirty="0" smtClean="0"/>
@@ -5170,12 +5165,30 @@
             </a:r>
             <a:r>
               <a:rPr lang="pt-PT" dirty="0" smtClean="0"/>
-              <a:t> hard </a:t>
-            </a:r>
-            <a:r>
-              <a:rPr lang="pt-PT" smtClean="0"/>
-              <a:t>to balance</a:t>
-            </a:r>
+              <a:t> hard to balance</a:t>
+            </a:r>
+          </a:p>
+          <a:p>
+            <a:pPr>
+              <a:buNone/>
+            </a:pPr>
+            <a:endParaRPr lang="pt-PT" dirty="0" smtClean="0"/>
+          </a:p>
+          <a:p>
+            <a:pPr>
+              <a:buNone/>
+            </a:pPr>
+            <a:endParaRPr lang="pt-PT" dirty="0" smtClean="0"/>
+          </a:p>
+          <a:p>
+            <a:pPr>
+              <a:buNone/>
+            </a:pPr>
+            <a:r>
+              <a:rPr lang="pt-PT" sz="2400" dirty="0" smtClean="0"/>
+              <a:t>https://github.com/Skythunder/Alipy</a:t>
+            </a:r>
+            <a:endParaRPr lang="pt-PT" sz="2400" dirty="0" smtClean="0"/>
           </a:p>
           <a:p>
             <a:pPr>
@@ -5185,6 +5198,32 @@
           </a:p>
         </p:txBody>
       </p:sp>
+      <p:pic>
+        <p:nvPicPr>
+          <p:cNvPr id="1026" name="Picture 2" descr="C:\Users\JR\Desktop\alipy.jpg"/>
+          <p:cNvPicPr>
+            <a:picLocks noChangeAspect="1" noChangeArrowheads="1"/>
+          </p:cNvPicPr>
+          <p:nvPr/>
+        </p:nvPicPr>
+        <p:blipFill>
+          <a:blip r:embed="rId3" cstate="print"/>
+          <a:srcRect/>
+          <a:stretch>
+            <a:fillRect/>
+          </a:stretch>
+        </p:blipFill>
+        <p:spPr bwMode="auto">
+          <a:xfrm>
+            <a:off x="5436096" y="3212976"/>
+            <a:ext cx="3336845" cy="3472384"/>
+          </a:xfrm>
+          <a:prstGeom prst="rect">
+            <a:avLst/>
+          </a:prstGeom>
+          <a:noFill/>
+        </p:spPr>
+      </p:pic>
     </p:spTree>
   </p:cSld>
   <p:clrMapOvr>
